--- a/ppt 16-9/1044.因你永远不失.pptx
+++ b/ppt 16-9/1044.因你永远不失.pptx
@@ -5,7 +5,7 @@
     <p:sldMasterId id="2147483648" r:id="rId1"/>
   </p:sldMasterIdLst>
   <p:sldIdLst>
-    <p:sldId id="477" r:id="rId2"/>
+    <p:sldId id="480" r:id="rId2"/>
   </p:sldIdLst>
   <p:sldSz cx="12192000" cy="6858000"/>
   <p:notesSz cx="6858000" cy="9144000"/>
@@ -129,7 +129,7 @@
           <p:cNvPr id="2" name="标题 1">
             <a:extLst>
               <a:ext uri="{FF2B5EF4-FFF2-40B4-BE49-F238E27FC236}">
-                <a16:creationId xmlns:a16="http://schemas.microsoft.com/office/drawing/2014/main" id="{E8F9820F-B78C-2926-4DDB-69BC0EF3C6AA}"/>
+                <a16:creationId xmlns:a16="http://schemas.microsoft.com/office/drawing/2014/main" id="{E8925A68-793B-8CDE-2A7B-E734C092ADE6}"/>
               </a:ext>
             </a:extLst>
           </p:cNvPr>
@@ -166,7 +166,7 @@
           <p:cNvPr id="3" name="副标题 2">
             <a:extLst>
               <a:ext uri="{FF2B5EF4-FFF2-40B4-BE49-F238E27FC236}">
-                <a16:creationId xmlns:a16="http://schemas.microsoft.com/office/drawing/2014/main" id="{9C160BE9-BF9E-AF7D-C473-43170A05E7C0}"/>
+                <a16:creationId xmlns:a16="http://schemas.microsoft.com/office/drawing/2014/main" id="{74A6F198-18BD-1E5D-A8C9-46F7E299D1C5}"/>
               </a:ext>
             </a:extLst>
           </p:cNvPr>
@@ -236,7 +236,7 @@
           <p:cNvPr id="4" name="日期占位符 3">
             <a:extLst>
               <a:ext uri="{FF2B5EF4-FFF2-40B4-BE49-F238E27FC236}">
-                <a16:creationId xmlns:a16="http://schemas.microsoft.com/office/drawing/2014/main" id="{42C050B6-78E0-1833-FE45-D1E58A26FE81}"/>
+                <a16:creationId xmlns:a16="http://schemas.microsoft.com/office/drawing/2014/main" id="{8F3C42F4-3FE7-D4D9-ADC2-13EC7B2F84BD}"/>
               </a:ext>
             </a:extLst>
           </p:cNvPr>
@@ -252,7 +252,7 @@
           <a:bodyPr/>
           <a:lstStyle/>
           <a:p>
-            <a:fld id="{9C2CEC95-474C-4F43-84C3-17EB53F334DD}" type="datetimeFigureOut">
+            <a:fld id="{56849F0A-2C35-4623-AB13-125EEE86318C}" type="datetimeFigureOut">
               <a:rPr lang="zh-CN" altLang="en-US" smtClean="0"/>
               <a:t>2024/3/10</a:t>
             </a:fld>
@@ -265,7 +265,7 @@
           <p:cNvPr id="5" name="页脚占位符 4">
             <a:extLst>
               <a:ext uri="{FF2B5EF4-FFF2-40B4-BE49-F238E27FC236}">
-                <a16:creationId xmlns:a16="http://schemas.microsoft.com/office/drawing/2014/main" id="{542DA7B4-91E1-9CFA-F75F-3ED057B07CB2}"/>
+                <a16:creationId xmlns:a16="http://schemas.microsoft.com/office/drawing/2014/main" id="{F8E40DE0-C606-BE7C-8FA1-0B86523D3830}"/>
               </a:ext>
             </a:extLst>
           </p:cNvPr>
@@ -290,7 +290,7 @@
           <p:cNvPr id="6" name="灯片编号占位符 5">
             <a:extLst>
               <a:ext uri="{FF2B5EF4-FFF2-40B4-BE49-F238E27FC236}">
-                <a16:creationId xmlns:a16="http://schemas.microsoft.com/office/drawing/2014/main" id="{BCED69D2-DCA2-F166-BFD1-598FAD410007}"/>
+                <a16:creationId xmlns:a16="http://schemas.microsoft.com/office/drawing/2014/main" id="{BEC10760-D126-65C6-7A1A-6142AACCA9DF}"/>
               </a:ext>
             </a:extLst>
           </p:cNvPr>
@@ -306,7 +306,7 @@
           <a:bodyPr/>
           <a:lstStyle/>
           <a:p>
-            <a:fld id="{48D71194-13A9-428D-86B4-BDA601D602BE}" type="slidenum">
+            <a:fld id="{84E783CF-289F-46C7-959C-B66564477535}" type="slidenum">
               <a:rPr lang="zh-CN" altLang="en-US" smtClean="0"/>
               <a:t>‹#›</a:t>
             </a:fld>
@@ -317,7 +317,7 @@
     </p:spTree>
     <p:extLst>
       <p:ext uri="{BB962C8B-B14F-4D97-AF65-F5344CB8AC3E}">
-        <p14:creationId xmlns:p14="http://schemas.microsoft.com/office/powerpoint/2010/main" val="2175066013"/>
+        <p14:creationId xmlns:p14="http://schemas.microsoft.com/office/powerpoint/2010/main" val="2993576273"/>
       </p:ext>
     </p:extLst>
   </p:cSld>
@@ -349,7 +349,7 @@
           <p:cNvPr id="2" name="标题 1">
             <a:extLst>
               <a:ext uri="{FF2B5EF4-FFF2-40B4-BE49-F238E27FC236}">
-                <a16:creationId xmlns:a16="http://schemas.microsoft.com/office/drawing/2014/main" id="{5C50DAC2-A299-71C9-6149-491FBCF5802E}"/>
+                <a16:creationId xmlns:a16="http://schemas.microsoft.com/office/drawing/2014/main" id="{D43907B6-386C-FA22-49B2-F38F0E3B1735}"/>
               </a:ext>
             </a:extLst>
           </p:cNvPr>
@@ -377,7 +377,7 @@
           <p:cNvPr id="3" name="竖排文字占位符 2">
             <a:extLst>
               <a:ext uri="{FF2B5EF4-FFF2-40B4-BE49-F238E27FC236}">
-                <a16:creationId xmlns:a16="http://schemas.microsoft.com/office/drawing/2014/main" id="{91944285-9AAA-7F6B-7926-943325EEFB10}"/>
+                <a16:creationId xmlns:a16="http://schemas.microsoft.com/office/drawing/2014/main" id="{CF25B1B6-7A14-84F0-6E83-DA24CD8F9ADD}"/>
               </a:ext>
             </a:extLst>
           </p:cNvPr>
@@ -434,7 +434,7 @@
           <p:cNvPr id="4" name="日期占位符 3">
             <a:extLst>
               <a:ext uri="{FF2B5EF4-FFF2-40B4-BE49-F238E27FC236}">
-                <a16:creationId xmlns:a16="http://schemas.microsoft.com/office/drawing/2014/main" id="{3266C97E-1BB5-DECE-990C-943E68CCAFAB}"/>
+                <a16:creationId xmlns:a16="http://schemas.microsoft.com/office/drawing/2014/main" id="{230990D0-BEA3-15C8-425A-A4D1A9CE1ABC}"/>
               </a:ext>
             </a:extLst>
           </p:cNvPr>
@@ -450,7 +450,7 @@
           <a:bodyPr/>
           <a:lstStyle/>
           <a:p>
-            <a:fld id="{9C2CEC95-474C-4F43-84C3-17EB53F334DD}" type="datetimeFigureOut">
+            <a:fld id="{56849F0A-2C35-4623-AB13-125EEE86318C}" type="datetimeFigureOut">
               <a:rPr lang="zh-CN" altLang="en-US" smtClean="0"/>
               <a:t>2024/3/10</a:t>
             </a:fld>
@@ -463,7 +463,7 @@
           <p:cNvPr id="5" name="页脚占位符 4">
             <a:extLst>
               <a:ext uri="{FF2B5EF4-FFF2-40B4-BE49-F238E27FC236}">
-                <a16:creationId xmlns:a16="http://schemas.microsoft.com/office/drawing/2014/main" id="{85D29018-233C-542D-8986-28E546931B70}"/>
+                <a16:creationId xmlns:a16="http://schemas.microsoft.com/office/drawing/2014/main" id="{7917F08F-4D67-73E0-5618-BA9E74AA97C4}"/>
               </a:ext>
             </a:extLst>
           </p:cNvPr>
@@ -488,7 +488,7 @@
           <p:cNvPr id="6" name="灯片编号占位符 5">
             <a:extLst>
               <a:ext uri="{FF2B5EF4-FFF2-40B4-BE49-F238E27FC236}">
-                <a16:creationId xmlns:a16="http://schemas.microsoft.com/office/drawing/2014/main" id="{D6BA411E-F6AF-82E1-0B48-51476D2565C8}"/>
+                <a16:creationId xmlns:a16="http://schemas.microsoft.com/office/drawing/2014/main" id="{99DD3B59-813F-7F06-7D06-E0052AA60030}"/>
               </a:ext>
             </a:extLst>
           </p:cNvPr>
@@ -504,7 +504,7 @@
           <a:bodyPr/>
           <a:lstStyle/>
           <a:p>
-            <a:fld id="{48D71194-13A9-428D-86B4-BDA601D602BE}" type="slidenum">
+            <a:fld id="{84E783CF-289F-46C7-959C-B66564477535}" type="slidenum">
               <a:rPr lang="zh-CN" altLang="en-US" smtClean="0"/>
               <a:t>‹#›</a:t>
             </a:fld>
@@ -515,7 +515,7 @@
     </p:spTree>
     <p:extLst>
       <p:ext uri="{BB962C8B-B14F-4D97-AF65-F5344CB8AC3E}">
-        <p14:creationId xmlns:p14="http://schemas.microsoft.com/office/powerpoint/2010/main" val="886881669"/>
+        <p14:creationId xmlns:p14="http://schemas.microsoft.com/office/powerpoint/2010/main" val="3236388548"/>
       </p:ext>
     </p:extLst>
   </p:cSld>
@@ -547,7 +547,7 @@
           <p:cNvPr id="2" name="竖排标题 1">
             <a:extLst>
               <a:ext uri="{FF2B5EF4-FFF2-40B4-BE49-F238E27FC236}">
-                <a16:creationId xmlns:a16="http://schemas.microsoft.com/office/drawing/2014/main" id="{73630D80-142D-3A57-9D21-2EDA74B01B63}"/>
+                <a16:creationId xmlns:a16="http://schemas.microsoft.com/office/drawing/2014/main" id="{43C87B26-F76F-8BD7-00A6-A7C14BDCA296}"/>
               </a:ext>
             </a:extLst>
           </p:cNvPr>
@@ -580,7 +580,7 @@
           <p:cNvPr id="3" name="竖排文字占位符 2">
             <a:extLst>
               <a:ext uri="{FF2B5EF4-FFF2-40B4-BE49-F238E27FC236}">
-                <a16:creationId xmlns:a16="http://schemas.microsoft.com/office/drawing/2014/main" id="{86138D0E-E29A-5AD3-13A6-F32B7D16BF1D}"/>
+                <a16:creationId xmlns:a16="http://schemas.microsoft.com/office/drawing/2014/main" id="{243DF480-1BF8-CB4E-43E9-E323519AA36B}"/>
               </a:ext>
             </a:extLst>
           </p:cNvPr>
@@ -642,7 +642,7 @@
           <p:cNvPr id="4" name="日期占位符 3">
             <a:extLst>
               <a:ext uri="{FF2B5EF4-FFF2-40B4-BE49-F238E27FC236}">
-                <a16:creationId xmlns:a16="http://schemas.microsoft.com/office/drawing/2014/main" id="{F98E0ADB-F03C-A8D4-93D3-786F13F3886D}"/>
+                <a16:creationId xmlns:a16="http://schemas.microsoft.com/office/drawing/2014/main" id="{018F7BDB-A629-B5A2-2993-1D1EF6914880}"/>
               </a:ext>
             </a:extLst>
           </p:cNvPr>
@@ -658,7 +658,7 @@
           <a:bodyPr/>
           <a:lstStyle/>
           <a:p>
-            <a:fld id="{9C2CEC95-474C-4F43-84C3-17EB53F334DD}" type="datetimeFigureOut">
+            <a:fld id="{56849F0A-2C35-4623-AB13-125EEE86318C}" type="datetimeFigureOut">
               <a:rPr lang="zh-CN" altLang="en-US" smtClean="0"/>
               <a:t>2024/3/10</a:t>
             </a:fld>
@@ -671,7 +671,7 @@
           <p:cNvPr id="5" name="页脚占位符 4">
             <a:extLst>
               <a:ext uri="{FF2B5EF4-FFF2-40B4-BE49-F238E27FC236}">
-                <a16:creationId xmlns:a16="http://schemas.microsoft.com/office/drawing/2014/main" id="{C3987A04-D453-F675-F577-008E09FFDE9A}"/>
+                <a16:creationId xmlns:a16="http://schemas.microsoft.com/office/drawing/2014/main" id="{69BBF717-409B-8954-F338-426082BA6CE8}"/>
               </a:ext>
             </a:extLst>
           </p:cNvPr>
@@ -696,7 +696,7 @@
           <p:cNvPr id="6" name="灯片编号占位符 5">
             <a:extLst>
               <a:ext uri="{FF2B5EF4-FFF2-40B4-BE49-F238E27FC236}">
-                <a16:creationId xmlns:a16="http://schemas.microsoft.com/office/drawing/2014/main" id="{A016FFF7-10F0-ECCC-7CCC-58376AEEEFD3}"/>
+                <a16:creationId xmlns:a16="http://schemas.microsoft.com/office/drawing/2014/main" id="{E3A27DD2-1FDE-BD2A-8D93-CF88C9B971AB}"/>
               </a:ext>
             </a:extLst>
           </p:cNvPr>
@@ -712,7 +712,7 @@
           <a:bodyPr/>
           <a:lstStyle/>
           <a:p>
-            <a:fld id="{48D71194-13A9-428D-86B4-BDA601D602BE}" type="slidenum">
+            <a:fld id="{84E783CF-289F-46C7-959C-B66564477535}" type="slidenum">
               <a:rPr lang="zh-CN" altLang="en-US" smtClean="0"/>
               <a:t>‹#›</a:t>
             </a:fld>
@@ -723,7 +723,7 @@
     </p:spTree>
     <p:extLst>
       <p:ext uri="{BB962C8B-B14F-4D97-AF65-F5344CB8AC3E}">
-        <p14:creationId xmlns:p14="http://schemas.microsoft.com/office/powerpoint/2010/main" val="3782025611"/>
+        <p14:creationId xmlns:p14="http://schemas.microsoft.com/office/powerpoint/2010/main" val="1205192966"/>
       </p:ext>
     </p:extLst>
   </p:cSld>
@@ -755,7 +755,7 @@
           <p:cNvPr id="2" name="标题 1">
             <a:extLst>
               <a:ext uri="{FF2B5EF4-FFF2-40B4-BE49-F238E27FC236}">
-                <a16:creationId xmlns:a16="http://schemas.microsoft.com/office/drawing/2014/main" id="{D7F59DF5-6560-95BD-1EDB-5AAEABA5A6F5}"/>
+                <a16:creationId xmlns:a16="http://schemas.microsoft.com/office/drawing/2014/main" id="{1FB2A1C1-AFF7-34AC-9E21-6FE178916225}"/>
               </a:ext>
             </a:extLst>
           </p:cNvPr>
@@ -783,7 +783,7 @@
           <p:cNvPr id="3" name="内容占位符 2">
             <a:extLst>
               <a:ext uri="{FF2B5EF4-FFF2-40B4-BE49-F238E27FC236}">
-                <a16:creationId xmlns:a16="http://schemas.microsoft.com/office/drawing/2014/main" id="{4A9DBCA0-3EE3-F83E-E217-6090BD97CE8F}"/>
+                <a16:creationId xmlns:a16="http://schemas.microsoft.com/office/drawing/2014/main" id="{96822FA4-55E8-9438-24F0-DE35BA2C452E}"/>
               </a:ext>
             </a:extLst>
           </p:cNvPr>
@@ -840,7 +840,7 @@
           <p:cNvPr id="4" name="日期占位符 3">
             <a:extLst>
               <a:ext uri="{FF2B5EF4-FFF2-40B4-BE49-F238E27FC236}">
-                <a16:creationId xmlns:a16="http://schemas.microsoft.com/office/drawing/2014/main" id="{B2B69987-2CC0-B772-6996-A559552F20CF}"/>
+                <a16:creationId xmlns:a16="http://schemas.microsoft.com/office/drawing/2014/main" id="{E06F38FE-18F9-CF50-5214-EE2635EC856C}"/>
               </a:ext>
             </a:extLst>
           </p:cNvPr>
@@ -856,7 +856,7 @@
           <a:bodyPr/>
           <a:lstStyle/>
           <a:p>
-            <a:fld id="{9C2CEC95-474C-4F43-84C3-17EB53F334DD}" type="datetimeFigureOut">
+            <a:fld id="{56849F0A-2C35-4623-AB13-125EEE86318C}" type="datetimeFigureOut">
               <a:rPr lang="zh-CN" altLang="en-US" smtClean="0"/>
               <a:t>2024/3/10</a:t>
             </a:fld>
@@ -869,7 +869,7 @@
           <p:cNvPr id="5" name="页脚占位符 4">
             <a:extLst>
               <a:ext uri="{FF2B5EF4-FFF2-40B4-BE49-F238E27FC236}">
-                <a16:creationId xmlns:a16="http://schemas.microsoft.com/office/drawing/2014/main" id="{B6B2466A-BE20-3F24-FF88-AE9D80B7DBAD}"/>
+                <a16:creationId xmlns:a16="http://schemas.microsoft.com/office/drawing/2014/main" id="{5E29F52A-B307-604E-6EB8-4722C8620D7D}"/>
               </a:ext>
             </a:extLst>
           </p:cNvPr>
@@ -894,7 +894,7 @@
           <p:cNvPr id="6" name="灯片编号占位符 5">
             <a:extLst>
               <a:ext uri="{FF2B5EF4-FFF2-40B4-BE49-F238E27FC236}">
-                <a16:creationId xmlns:a16="http://schemas.microsoft.com/office/drawing/2014/main" id="{EE1E09D0-07CD-F4DD-FFB6-E0140FC8A7FA}"/>
+                <a16:creationId xmlns:a16="http://schemas.microsoft.com/office/drawing/2014/main" id="{416B35C7-ADD7-C8BB-071C-13995EEF1085}"/>
               </a:ext>
             </a:extLst>
           </p:cNvPr>
@@ -910,7 +910,7 @@
           <a:bodyPr/>
           <a:lstStyle/>
           <a:p>
-            <a:fld id="{48D71194-13A9-428D-86B4-BDA601D602BE}" type="slidenum">
+            <a:fld id="{84E783CF-289F-46C7-959C-B66564477535}" type="slidenum">
               <a:rPr lang="zh-CN" altLang="en-US" smtClean="0"/>
               <a:t>‹#›</a:t>
             </a:fld>
@@ -921,7 +921,7 @@
     </p:spTree>
     <p:extLst>
       <p:ext uri="{BB962C8B-B14F-4D97-AF65-F5344CB8AC3E}">
-        <p14:creationId xmlns:p14="http://schemas.microsoft.com/office/powerpoint/2010/main" val="874952247"/>
+        <p14:creationId xmlns:p14="http://schemas.microsoft.com/office/powerpoint/2010/main" val="1861269753"/>
       </p:ext>
     </p:extLst>
   </p:cSld>
@@ -953,7 +953,7 @@
           <p:cNvPr id="2" name="标题 1">
             <a:extLst>
               <a:ext uri="{FF2B5EF4-FFF2-40B4-BE49-F238E27FC236}">
-                <a16:creationId xmlns:a16="http://schemas.microsoft.com/office/drawing/2014/main" id="{56EB0626-520E-E505-EFEB-A9BF5105A455}"/>
+                <a16:creationId xmlns:a16="http://schemas.microsoft.com/office/drawing/2014/main" id="{02A96C72-EFC4-E209-8BE8-A306B9B77427}"/>
               </a:ext>
             </a:extLst>
           </p:cNvPr>
@@ -990,7 +990,7 @@
           <p:cNvPr id="3" name="文本占位符 2">
             <a:extLst>
               <a:ext uri="{FF2B5EF4-FFF2-40B4-BE49-F238E27FC236}">
-                <a16:creationId xmlns:a16="http://schemas.microsoft.com/office/drawing/2014/main" id="{01364008-7A4B-8D0F-D15A-B54E1012C5FE}"/>
+                <a16:creationId xmlns:a16="http://schemas.microsoft.com/office/drawing/2014/main" id="{7608E39D-DB9D-AC76-BE42-0B12C8CC83EA}"/>
               </a:ext>
             </a:extLst>
           </p:cNvPr>
@@ -1115,7 +1115,7 @@
           <p:cNvPr id="4" name="日期占位符 3">
             <a:extLst>
               <a:ext uri="{FF2B5EF4-FFF2-40B4-BE49-F238E27FC236}">
-                <a16:creationId xmlns:a16="http://schemas.microsoft.com/office/drawing/2014/main" id="{B2731D35-5F9D-C96A-3837-BF4B71092F49}"/>
+                <a16:creationId xmlns:a16="http://schemas.microsoft.com/office/drawing/2014/main" id="{563563A6-AA10-B72E-BA83-4EDC5B20AB25}"/>
               </a:ext>
             </a:extLst>
           </p:cNvPr>
@@ -1131,7 +1131,7 @@
           <a:bodyPr/>
           <a:lstStyle/>
           <a:p>
-            <a:fld id="{9C2CEC95-474C-4F43-84C3-17EB53F334DD}" type="datetimeFigureOut">
+            <a:fld id="{56849F0A-2C35-4623-AB13-125EEE86318C}" type="datetimeFigureOut">
               <a:rPr lang="zh-CN" altLang="en-US" smtClean="0"/>
               <a:t>2024/3/10</a:t>
             </a:fld>
@@ -1144,7 +1144,7 @@
           <p:cNvPr id="5" name="页脚占位符 4">
             <a:extLst>
               <a:ext uri="{FF2B5EF4-FFF2-40B4-BE49-F238E27FC236}">
-                <a16:creationId xmlns:a16="http://schemas.microsoft.com/office/drawing/2014/main" id="{653FEEA2-B668-FA60-AEE1-D8E5C6C1BD5E}"/>
+                <a16:creationId xmlns:a16="http://schemas.microsoft.com/office/drawing/2014/main" id="{09AB24CC-1AFD-AF81-68D2-F4BA9CD40079}"/>
               </a:ext>
             </a:extLst>
           </p:cNvPr>
@@ -1169,7 +1169,7 @@
           <p:cNvPr id="6" name="灯片编号占位符 5">
             <a:extLst>
               <a:ext uri="{FF2B5EF4-FFF2-40B4-BE49-F238E27FC236}">
-                <a16:creationId xmlns:a16="http://schemas.microsoft.com/office/drawing/2014/main" id="{85470DDC-4280-24F4-85D5-7274479FC5A3}"/>
+                <a16:creationId xmlns:a16="http://schemas.microsoft.com/office/drawing/2014/main" id="{930064D9-0D2E-21A3-4183-EE709024995E}"/>
               </a:ext>
             </a:extLst>
           </p:cNvPr>
@@ -1185,7 +1185,7 @@
           <a:bodyPr/>
           <a:lstStyle/>
           <a:p>
-            <a:fld id="{48D71194-13A9-428D-86B4-BDA601D602BE}" type="slidenum">
+            <a:fld id="{84E783CF-289F-46C7-959C-B66564477535}" type="slidenum">
               <a:rPr lang="zh-CN" altLang="en-US" smtClean="0"/>
               <a:t>‹#›</a:t>
             </a:fld>
@@ -1196,7 +1196,7 @@
     </p:spTree>
     <p:extLst>
       <p:ext uri="{BB962C8B-B14F-4D97-AF65-F5344CB8AC3E}">
-        <p14:creationId xmlns:p14="http://schemas.microsoft.com/office/powerpoint/2010/main" val="3591117919"/>
+        <p14:creationId xmlns:p14="http://schemas.microsoft.com/office/powerpoint/2010/main" val="1394842462"/>
       </p:ext>
     </p:extLst>
   </p:cSld>
@@ -1228,7 +1228,7 @@
           <p:cNvPr id="2" name="标题 1">
             <a:extLst>
               <a:ext uri="{FF2B5EF4-FFF2-40B4-BE49-F238E27FC236}">
-                <a16:creationId xmlns:a16="http://schemas.microsoft.com/office/drawing/2014/main" id="{5955AA1B-616A-CD9A-18E0-B8AA0F727E3E}"/>
+                <a16:creationId xmlns:a16="http://schemas.microsoft.com/office/drawing/2014/main" id="{26C62EB7-1016-BB9F-6BAE-584D4B856E32}"/>
               </a:ext>
             </a:extLst>
           </p:cNvPr>
@@ -1256,7 +1256,7 @@
           <p:cNvPr id="3" name="内容占位符 2">
             <a:extLst>
               <a:ext uri="{FF2B5EF4-FFF2-40B4-BE49-F238E27FC236}">
-                <a16:creationId xmlns:a16="http://schemas.microsoft.com/office/drawing/2014/main" id="{CD42D1AD-64D5-6D60-CD4D-C7CA805D8984}"/>
+                <a16:creationId xmlns:a16="http://schemas.microsoft.com/office/drawing/2014/main" id="{1022F8D2-C06F-3293-E386-3A36E1BAFFCB}"/>
               </a:ext>
             </a:extLst>
           </p:cNvPr>
@@ -1318,7 +1318,7 @@
           <p:cNvPr id="4" name="内容占位符 3">
             <a:extLst>
               <a:ext uri="{FF2B5EF4-FFF2-40B4-BE49-F238E27FC236}">
-                <a16:creationId xmlns:a16="http://schemas.microsoft.com/office/drawing/2014/main" id="{0BE5AA1E-51C5-844E-BE2C-D9DFA56EED1D}"/>
+                <a16:creationId xmlns:a16="http://schemas.microsoft.com/office/drawing/2014/main" id="{17B449CE-80E8-97BE-D6F9-169BB56B1507}"/>
               </a:ext>
             </a:extLst>
           </p:cNvPr>
@@ -1380,7 +1380,7 @@
           <p:cNvPr id="5" name="日期占位符 4">
             <a:extLst>
               <a:ext uri="{FF2B5EF4-FFF2-40B4-BE49-F238E27FC236}">
-                <a16:creationId xmlns:a16="http://schemas.microsoft.com/office/drawing/2014/main" id="{BD1363EB-191B-0721-95C8-8C26C673902A}"/>
+                <a16:creationId xmlns:a16="http://schemas.microsoft.com/office/drawing/2014/main" id="{8E8F7940-1029-8033-5918-9C1A1748F99C}"/>
               </a:ext>
             </a:extLst>
           </p:cNvPr>
@@ -1396,7 +1396,7 @@
           <a:bodyPr/>
           <a:lstStyle/>
           <a:p>
-            <a:fld id="{9C2CEC95-474C-4F43-84C3-17EB53F334DD}" type="datetimeFigureOut">
+            <a:fld id="{56849F0A-2C35-4623-AB13-125EEE86318C}" type="datetimeFigureOut">
               <a:rPr lang="zh-CN" altLang="en-US" smtClean="0"/>
               <a:t>2024/3/10</a:t>
             </a:fld>
@@ -1409,7 +1409,7 @@
           <p:cNvPr id="6" name="页脚占位符 5">
             <a:extLst>
               <a:ext uri="{FF2B5EF4-FFF2-40B4-BE49-F238E27FC236}">
-                <a16:creationId xmlns:a16="http://schemas.microsoft.com/office/drawing/2014/main" id="{879DECA3-9AEA-14F1-0230-AEC674CE8EBB}"/>
+                <a16:creationId xmlns:a16="http://schemas.microsoft.com/office/drawing/2014/main" id="{15BBED7F-48D4-4DE0-7D6E-611FEF4F6CF3}"/>
               </a:ext>
             </a:extLst>
           </p:cNvPr>
@@ -1434,7 +1434,7 @@
           <p:cNvPr id="7" name="灯片编号占位符 6">
             <a:extLst>
               <a:ext uri="{FF2B5EF4-FFF2-40B4-BE49-F238E27FC236}">
-                <a16:creationId xmlns:a16="http://schemas.microsoft.com/office/drawing/2014/main" id="{B2F93E12-2F1E-B991-4C89-90E5C265366D}"/>
+                <a16:creationId xmlns:a16="http://schemas.microsoft.com/office/drawing/2014/main" id="{38C8AE84-BEB3-940E-44C3-2188A85F0DF2}"/>
               </a:ext>
             </a:extLst>
           </p:cNvPr>
@@ -1450,7 +1450,7 @@
           <a:bodyPr/>
           <a:lstStyle/>
           <a:p>
-            <a:fld id="{48D71194-13A9-428D-86B4-BDA601D602BE}" type="slidenum">
+            <a:fld id="{84E783CF-289F-46C7-959C-B66564477535}" type="slidenum">
               <a:rPr lang="zh-CN" altLang="en-US" smtClean="0"/>
               <a:t>‹#›</a:t>
             </a:fld>
@@ -1461,7 +1461,7 @@
     </p:spTree>
     <p:extLst>
       <p:ext uri="{BB962C8B-B14F-4D97-AF65-F5344CB8AC3E}">
-        <p14:creationId xmlns:p14="http://schemas.microsoft.com/office/powerpoint/2010/main" val="1397489835"/>
+        <p14:creationId xmlns:p14="http://schemas.microsoft.com/office/powerpoint/2010/main" val="3581440638"/>
       </p:ext>
     </p:extLst>
   </p:cSld>
@@ -1493,7 +1493,7 @@
           <p:cNvPr id="2" name="标题 1">
             <a:extLst>
               <a:ext uri="{FF2B5EF4-FFF2-40B4-BE49-F238E27FC236}">
-                <a16:creationId xmlns:a16="http://schemas.microsoft.com/office/drawing/2014/main" id="{76576E45-A8C5-7982-B707-6954FDD8A8D8}"/>
+                <a16:creationId xmlns:a16="http://schemas.microsoft.com/office/drawing/2014/main" id="{0D74459F-6DFE-84AB-3425-594160AB706D}"/>
               </a:ext>
             </a:extLst>
           </p:cNvPr>
@@ -1526,7 +1526,7 @@
           <p:cNvPr id="3" name="文本占位符 2">
             <a:extLst>
               <a:ext uri="{FF2B5EF4-FFF2-40B4-BE49-F238E27FC236}">
-                <a16:creationId xmlns:a16="http://schemas.microsoft.com/office/drawing/2014/main" id="{90420D20-64BB-D1B8-687B-7FDDEFD17128}"/>
+                <a16:creationId xmlns:a16="http://schemas.microsoft.com/office/drawing/2014/main" id="{B45E3F93-3ADF-B342-1889-EDC9234E378D}"/>
               </a:ext>
             </a:extLst>
           </p:cNvPr>
@@ -1597,7 +1597,7 @@
           <p:cNvPr id="4" name="内容占位符 3">
             <a:extLst>
               <a:ext uri="{FF2B5EF4-FFF2-40B4-BE49-F238E27FC236}">
-                <a16:creationId xmlns:a16="http://schemas.microsoft.com/office/drawing/2014/main" id="{AD828CD1-CDE3-0754-1778-9586494663FA}"/>
+                <a16:creationId xmlns:a16="http://schemas.microsoft.com/office/drawing/2014/main" id="{798B62F5-EDFD-D278-B278-7885F9AC0B56}"/>
               </a:ext>
             </a:extLst>
           </p:cNvPr>
@@ -1659,7 +1659,7 @@
           <p:cNvPr id="5" name="文本占位符 4">
             <a:extLst>
               <a:ext uri="{FF2B5EF4-FFF2-40B4-BE49-F238E27FC236}">
-                <a16:creationId xmlns:a16="http://schemas.microsoft.com/office/drawing/2014/main" id="{5B1F9354-153F-ACEF-04E3-ED5A94CF0A37}"/>
+                <a16:creationId xmlns:a16="http://schemas.microsoft.com/office/drawing/2014/main" id="{7F684259-F376-8F08-16F3-405703C2E9BC}"/>
               </a:ext>
             </a:extLst>
           </p:cNvPr>
@@ -1730,7 +1730,7 @@
           <p:cNvPr id="6" name="内容占位符 5">
             <a:extLst>
               <a:ext uri="{FF2B5EF4-FFF2-40B4-BE49-F238E27FC236}">
-                <a16:creationId xmlns:a16="http://schemas.microsoft.com/office/drawing/2014/main" id="{C303CB50-80D0-BDED-EDDC-5FDDC7255032}"/>
+                <a16:creationId xmlns:a16="http://schemas.microsoft.com/office/drawing/2014/main" id="{71C250E5-840D-8D83-9596-13B182A9CBE4}"/>
               </a:ext>
             </a:extLst>
           </p:cNvPr>
@@ -1792,7 +1792,7 @@
           <p:cNvPr id="7" name="日期占位符 6">
             <a:extLst>
               <a:ext uri="{FF2B5EF4-FFF2-40B4-BE49-F238E27FC236}">
-                <a16:creationId xmlns:a16="http://schemas.microsoft.com/office/drawing/2014/main" id="{4E64D0CE-AA55-37A1-6584-1DDC6D49AE92}"/>
+                <a16:creationId xmlns:a16="http://schemas.microsoft.com/office/drawing/2014/main" id="{3A6C43BA-859A-E08C-6564-B305F682641D}"/>
               </a:ext>
             </a:extLst>
           </p:cNvPr>
@@ -1808,7 +1808,7 @@
           <a:bodyPr/>
           <a:lstStyle/>
           <a:p>
-            <a:fld id="{9C2CEC95-474C-4F43-84C3-17EB53F334DD}" type="datetimeFigureOut">
+            <a:fld id="{56849F0A-2C35-4623-AB13-125EEE86318C}" type="datetimeFigureOut">
               <a:rPr lang="zh-CN" altLang="en-US" smtClean="0"/>
               <a:t>2024/3/10</a:t>
             </a:fld>
@@ -1821,7 +1821,7 @@
           <p:cNvPr id="8" name="页脚占位符 7">
             <a:extLst>
               <a:ext uri="{FF2B5EF4-FFF2-40B4-BE49-F238E27FC236}">
-                <a16:creationId xmlns:a16="http://schemas.microsoft.com/office/drawing/2014/main" id="{FA467E1A-8FCE-D148-7719-2A0BF5113FAE}"/>
+                <a16:creationId xmlns:a16="http://schemas.microsoft.com/office/drawing/2014/main" id="{F828D529-9B08-D195-1C31-284FB31516B4}"/>
               </a:ext>
             </a:extLst>
           </p:cNvPr>
@@ -1846,7 +1846,7 @@
           <p:cNvPr id="9" name="灯片编号占位符 8">
             <a:extLst>
               <a:ext uri="{FF2B5EF4-FFF2-40B4-BE49-F238E27FC236}">
-                <a16:creationId xmlns:a16="http://schemas.microsoft.com/office/drawing/2014/main" id="{E8ACDC9D-9873-A84C-9D50-3F6935395F02}"/>
+                <a16:creationId xmlns:a16="http://schemas.microsoft.com/office/drawing/2014/main" id="{E630C05E-0C67-D56E-51B3-C6717B3312B4}"/>
               </a:ext>
             </a:extLst>
           </p:cNvPr>
@@ -1862,7 +1862,7 @@
           <a:bodyPr/>
           <a:lstStyle/>
           <a:p>
-            <a:fld id="{48D71194-13A9-428D-86B4-BDA601D602BE}" type="slidenum">
+            <a:fld id="{84E783CF-289F-46C7-959C-B66564477535}" type="slidenum">
               <a:rPr lang="zh-CN" altLang="en-US" smtClean="0"/>
               <a:t>‹#›</a:t>
             </a:fld>
@@ -1873,7 +1873,7 @@
     </p:spTree>
     <p:extLst>
       <p:ext uri="{BB962C8B-B14F-4D97-AF65-F5344CB8AC3E}">
-        <p14:creationId xmlns:p14="http://schemas.microsoft.com/office/powerpoint/2010/main" val="676656063"/>
+        <p14:creationId xmlns:p14="http://schemas.microsoft.com/office/powerpoint/2010/main" val="3476670294"/>
       </p:ext>
     </p:extLst>
   </p:cSld>
@@ -1905,7 +1905,7 @@
           <p:cNvPr id="2" name="标题 1">
             <a:extLst>
               <a:ext uri="{FF2B5EF4-FFF2-40B4-BE49-F238E27FC236}">
-                <a16:creationId xmlns:a16="http://schemas.microsoft.com/office/drawing/2014/main" id="{79E39173-D813-9ED6-69E6-33B16A89C00C}"/>
+                <a16:creationId xmlns:a16="http://schemas.microsoft.com/office/drawing/2014/main" id="{F8672DDD-F3EE-04E8-52D8-D91865D8793A}"/>
               </a:ext>
             </a:extLst>
           </p:cNvPr>
@@ -1933,7 +1933,7 @@
           <p:cNvPr id="3" name="日期占位符 2">
             <a:extLst>
               <a:ext uri="{FF2B5EF4-FFF2-40B4-BE49-F238E27FC236}">
-                <a16:creationId xmlns:a16="http://schemas.microsoft.com/office/drawing/2014/main" id="{4BF37ABE-2BC4-EEBF-B244-048EE90FA7C4}"/>
+                <a16:creationId xmlns:a16="http://schemas.microsoft.com/office/drawing/2014/main" id="{03F34648-6920-7601-5D8C-AE4B9D23D666}"/>
               </a:ext>
             </a:extLst>
           </p:cNvPr>
@@ -1949,7 +1949,7 @@
           <a:bodyPr/>
           <a:lstStyle/>
           <a:p>
-            <a:fld id="{9C2CEC95-474C-4F43-84C3-17EB53F334DD}" type="datetimeFigureOut">
+            <a:fld id="{56849F0A-2C35-4623-AB13-125EEE86318C}" type="datetimeFigureOut">
               <a:rPr lang="zh-CN" altLang="en-US" smtClean="0"/>
               <a:t>2024/3/10</a:t>
             </a:fld>
@@ -1962,7 +1962,7 @@
           <p:cNvPr id="4" name="页脚占位符 3">
             <a:extLst>
               <a:ext uri="{FF2B5EF4-FFF2-40B4-BE49-F238E27FC236}">
-                <a16:creationId xmlns:a16="http://schemas.microsoft.com/office/drawing/2014/main" id="{085FAF5F-A1C3-C912-C70B-AD45151DE68C}"/>
+                <a16:creationId xmlns:a16="http://schemas.microsoft.com/office/drawing/2014/main" id="{B8DCA862-A179-95FA-66B5-A9431B3D18CE}"/>
               </a:ext>
             </a:extLst>
           </p:cNvPr>
@@ -1987,7 +1987,7 @@
           <p:cNvPr id="5" name="灯片编号占位符 4">
             <a:extLst>
               <a:ext uri="{FF2B5EF4-FFF2-40B4-BE49-F238E27FC236}">
-                <a16:creationId xmlns:a16="http://schemas.microsoft.com/office/drawing/2014/main" id="{A5BEEF45-C75E-0A22-9BEE-7D329C0C8584}"/>
+                <a16:creationId xmlns:a16="http://schemas.microsoft.com/office/drawing/2014/main" id="{9E6E93A5-9F7A-763E-51FA-B4AD67BBFF42}"/>
               </a:ext>
             </a:extLst>
           </p:cNvPr>
@@ -2003,7 +2003,7 @@
           <a:bodyPr/>
           <a:lstStyle/>
           <a:p>
-            <a:fld id="{48D71194-13A9-428D-86B4-BDA601D602BE}" type="slidenum">
+            <a:fld id="{84E783CF-289F-46C7-959C-B66564477535}" type="slidenum">
               <a:rPr lang="zh-CN" altLang="en-US" smtClean="0"/>
               <a:t>‹#›</a:t>
             </a:fld>
@@ -2014,7 +2014,7 @@
     </p:spTree>
     <p:extLst>
       <p:ext uri="{BB962C8B-B14F-4D97-AF65-F5344CB8AC3E}">
-        <p14:creationId xmlns:p14="http://schemas.microsoft.com/office/powerpoint/2010/main" val="1174338396"/>
+        <p14:creationId xmlns:p14="http://schemas.microsoft.com/office/powerpoint/2010/main" val="1266899787"/>
       </p:ext>
     </p:extLst>
   </p:cSld>
@@ -2046,7 +2046,7 @@
           <p:cNvPr id="2" name="日期占位符 1">
             <a:extLst>
               <a:ext uri="{FF2B5EF4-FFF2-40B4-BE49-F238E27FC236}">
-                <a16:creationId xmlns:a16="http://schemas.microsoft.com/office/drawing/2014/main" id="{B68D0C2D-44CF-EE41-8636-A5FB444167AF}"/>
+                <a16:creationId xmlns:a16="http://schemas.microsoft.com/office/drawing/2014/main" id="{A302AE44-5B22-B1F9-AD3C-2C2C67C80A0B}"/>
               </a:ext>
             </a:extLst>
           </p:cNvPr>
@@ -2062,7 +2062,7 @@
           <a:bodyPr/>
           <a:lstStyle/>
           <a:p>
-            <a:fld id="{9C2CEC95-474C-4F43-84C3-17EB53F334DD}" type="datetimeFigureOut">
+            <a:fld id="{56849F0A-2C35-4623-AB13-125EEE86318C}" type="datetimeFigureOut">
               <a:rPr lang="zh-CN" altLang="en-US" smtClean="0"/>
               <a:t>2024/3/10</a:t>
             </a:fld>
@@ -2075,7 +2075,7 @@
           <p:cNvPr id="3" name="页脚占位符 2">
             <a:extLst>
               <a:ext uri="{FF2B5EF4-FFF2-40B4-BE49-F238E27FC236}">
-                <a16:creationId xmlns:a16="http://schemas.microsoft.com/office/drawing/2014/main" id="{60F87390-53BB-C5CB-6D0F-50DDEF60506D}"/>
+                <a16:creationId xmlns:a16="http://schemas.microsoft.com/office/drawing/2014/main" id="{0535CDFB-81CA-2F9F-93CE-6147010DA29C}"/>
               </a:ext>
             </a:extLst>
           </p:cNvPr>
@@ -2100,7 +2100,7 @@
           <p:cNvPr id="4" name="灯片编号占位符 3">
             <a:extLst>
               <a:ext uri="{FF2B5EF4-FFF2-40B4-BE49-F238E27FC236}">
-                <a16:creationId xmlns:a16="http://schemas.microsoft.com/office/drawing/2014/main" id="{6AF5B9D9-6301-3563-8A5B-3C5FBA140FAB}"/>
+                <a16:creationId xmlns:a16="http://schemas.microsoft.com/office/drawing/2014/main" id="{93F7C2C1-F338-7F3D-023D-DEE2DA26F05D}"/>
               </a:ext>
             </a:extLst>
           </p:cNvPr>
@@ -2116,7 +2116,7 @@
           <a:bodyPr/>
           <a:lstStyle/>
           <a:p>
-            <a:fld id="{48D71194-13A9-428D-86B4-BDA601D602BE}" type="slidenum">
+            <a:fld id="{84E783CF-289F-46C7-959C-B66564477535}" type="slidenum">
               <a:rPr lang="zh-CN" altLang="en-US" smtClean="0"/>
               <a:t>‹#›</a:t>
             </a:fld>
@@ -2127,7 +2127,7 @@
     </p:spTree>
     <p:extLst>
       <p:ext uri="{BB962C8B-B14F-4D97-AF65-F5344CB8AC3E}">
-        <p14:creationId xmlns:p14="http://schemas.microsoft.com/office/powerpoint/2010/main" val="3946410676"/>
+        <p14:creationId xmlns:p14="http://schemas.microsoft.com/office/powerpoint/2010/main" val="4063110903"/>
       </p:ext>
     </p:extLst>
   </p:cSld>
@@ -2159,7 +2159,7 @@
           <p:cNvPr id="2" name="标题 1">
             <a:extLst>
               <a:ext uri="{FF2B5EF4-FFF2-40B4-BE49-F238E27FC236}">
-                <a16:creationId xmlns:a16="http://schemas.microsoft.com/office/drawing/2014/main" id="{96175EFC-4B19-F86A-BA3A-6C1AED62840F}"/>
+                <a16:creationId xmlns:a16="http://schemas.microsoft.com/office/drawing/2014/main" id="{864F7766-7068-046E-4F39-FC6105168B39}"/>
               </a:ext>
             </a:extLst>
           </p:cNvPr>
@@ -2196,7 +2196,7 @@
           <p:cNvPr id="3" name="内容占位符 2">
             <a:extLst>
               <a:ext uri="{FF2B5EF4-FFF2-40B4-BE49-F238E27FC236}">
-                <a16:creationId xmlns:a16="http://schemas.microsoft.com/office/drawing/2014/main" id="{55995A0A-EAAB-D55E-8D22-D0F10C3E5A32}"/>
+                <a16:creationId xmlns:a16="http://schemas.microsoft.com/office/drawing/2014/main" id="{1CF0146B-DF08-17EF-68AE-01C460EC1FF7}"/>
               </a:ext>
             </a:extLst>
           </p:cNvPr>
@@ -2286,7 +2286,7 @@
           <p:cNvPr id="4" name="文本占位符 3">
             <a:extLst>
               <a:ext uri="{FF2B5EF4-FFF2-40B4-BE49-F238E27FC236}">
-                <a16:creationId xmlns:a16="http://schemas.microsoft.com/office/drawing/2014/main" id="{7407AC17-42F2-D72C-4B4D-89075095A75A}"/>
+                <a16:creationId xmlns:a16="http://schemas.microsoft.com/office/drawing/2014/main" id="{FA984EF1-F6BC-170E-0A51-24462908CE7D}"/>
               </a:ext>
             </a:extLst>
           </p:cNvPr>
@@ -2357,7 +2357,7 @@
           <p:cNvPr id="5" name="日期占位符 4">
             <a:extLst>
               <a:ext uri="{FF2B5EF4-FFF2-40B4-BE49-F238E27FC236}">
-                <a16:creationId xmlns:a16="http://schemas.microsoft.com/office/drawing/2014/main" id="{2F336CEC-D80C-4000-6372-01A0D0F16D5F}"/>
+                <a16:creationId xmlns:a16="http://schemas.microsoft.com/office/drawing/2014/main" id="{06266ECE-14B1-F279-AFDA-CAC46B82838C}"/>
               </a:ext>
             </a:extLst>
           </p:cNvPr>
@@ -2373,7 +2373,7 @@
           <a:bodyPr/>
           <a:lstStyle/>
           <a:p>
-            <a:fld id="{9C2CEC95-474C-4F43-84C3-17EB53F334DD}" type="datetimeFigureOut">
+            <a:fld id="{56849F0A-2C35-4623-AB13-125EEE86318C}" type="datetimeFigureOut">
               <a:rPr lang="zh-CN" altLang="en-US" smtClean="0"/>
               <a:t>2024/3/10</a:t>
             </a:fld>
@@ -2386,7 +2386,7 @@
           <p:cNvPr id="6" name="页脚占位符 5">
             <a:extLst>
               <a:ext uri="{FF2B5EF4-FFF2-40B4-BE49-F238E27FC236}">
-                <a16:creationId xmlns:a16="http://schemas.microsoft.com/office/drawing/2014/main" id="{FFE3D83A-340C-3418-6AFA-878A7BB74F06}"/>
+                <a16:creationId xmlns:a16="http://schemas.microsoft.com/office/drawing/2014/main" id="{1693CEB4-9E3A-514E-A178-F78F4985B90A}"/>
               </a:ext>
             </a:extLst>
           </p:cNvPr>
@@ -2411,7 +2411,7 @@
           <p:cNvPr id="7" name="灯片编号占位符 6">
             <a:extLst>
               <a:ext uri="{FF2B5EF4-FFF2-40B4-BE49-F238E27FC236}">
-                <a16:creationId xmlns:a16="http://schemas.microsoft.com/office/drawing/2014/main" id="{D3D52618-EC66-B632-CF0F-0E3EC781BCDC}"/>
+                <a16:creationId xmlns:a16="http://schemas.microsoft.com/office/drawing/2014/main" id="{E62ABD5F-2783-86FE-92F9-02ECB11D3AD3}"/>
               </a:ext>
             </a:extLst>
           </p:cNvPr>
@@ -2427,7 +2427,7 @@
           <a:bodyPr/>
           <a:lstStyle/>
           <a:p>
-            <a:fld id="{48D71194-13A9-428D-86B4-BDA601D602BE}" type="slidenum">
+            <a:fld id="{84E783CF-289F-46C7-959C-B66564477535}" type="slidenum">
               <a:rPr lang="zh-CN" altLang="en-US" smtClean="0"/>
               <a:t>‹#›</a:t>
             </a:fld>
@@ -2438,7 +2438,7 @@
     </p:spTree>
     <p:extLst>
       <p:ext uri="{BB962C8B-B14F-4D97-AF65-F5344CB8AC3E}">
-        <p14:creationId xmlns:p14="http://schemas.microsoft.com/office/powerpoint/2010/main" val="2614206592"/>
+        <p14:creationId xmlns:p14="http://schemas.microsoft.com/office/powerpoint/2010/main" val="4030184500"/>
       </p:ext>
     </p:extLst>
   </p:cSld>
@@ -2470,7 +2470,7 @@
           <p:cNvPr id="2" name="标题 1">
             <a:extLst>
               <a:ext uri="{FF2B5EF4-FFF2-40B4-BE49-F238E27FC236}">
-                <a16:creationId xmlns:a16="http://schemas.microsoft.com/office/drawing/2014/main" id="{D17AE738-3CC8-E8B2-CA99-7F03E9352485}"/>
+                <a16:creationId xmlns:a16="http://schemas.microsoft.com/office/drawing/2014/main" id="{0C51A63C-6C75-5862-7B4D-46ADBC7C9AD9}"/>
               </a:ext>
             </a:extLst>
           </p:cNvPr>
@@ -2507,7 +2507,7 @@
           <p:cNvPr id="3" name="图片占位符 2">
             <a:extLst>
               <a:ext uri="{FF2B5EF4-FFF2-40B4-BE49-F238E27FC236}">
-                <a16:creationId xmlns:a16="http://schemas.microsoft.com/office/drawing/2014/main" id="{ECC6FEE3-8380-3C15-FC8B-C4EE47A75C25}"/>
+                <a16:creationId xmlns:a16="http://schemas.microsoft.com/office/drawing/2014/main" id="{10C5FD1E-8FF7-453A-6AFF-E72ACDE7BA49}"/>
               </a:ext>
             </a:extLst>
           </p:cNvPr>
@@ -2574,7 +2574,7 @@
           <p:cNvPr id="4" name="文本占位符 3">
             <a:extLst>
               <a:ext uri="{FF2B5EF4-FFF2-40B4-BE49-F238E27FC236}">
-                <a16:creationId xmlns:a16="http://schemas.microsoft.com/office/drawing/2014/main" id="{16B54227-4D46-D041-5D35-17E669F7E71E}"/>
+                <a16:creationId xmlns:a16="http://schemas.microsoft.com/office/drawing/2014/main" id="{090B7117-B977-238F-9A78-501E12CD43AD}"/>
               </a:ext>
             </a:extLst>
           </p:cNvPr>
@@ -2645,7 +2645,7 @@
           <p:cNvPr id="5" name="日期占位符 4">
             <a:extLst>
               <a:ext uri="{FF2B5EF4-FFF2-40B4-BE49-F238E27FC236}">
-                <a16:creationId xmlns:a16="http://schemas.microsoft.com/office/drawing/2014/main" id="{1BADA3F0-21B2-2F1F-C9D3-9BAF86ECABE8}"/>
+                <a16:creationId xmlns:a16="http://schemas.microsoft.com/office/drawing/2014/main" id="{84AA0067-BDEC-7163-2F9D-A93E2B440728}"/>
               </a:ext>
             </a:extLst>
           </p:cNvPr>
@@ -2661,7 +2661,7 @@
           <a:bodyPr/>
           <a:lstStyle/>
           <a:p>
-            <a:fld id="{9C2CEC95-474C-4F43-84C3-17EB53F334DD}" type="datetimeFigureOut">
+            <a:fld id="{56849F0A-2C35-4623-AB13-125EEE86318C}" type="datetimeFigureOut">
               <a:rPr lang="zh-CN" altLang="en-US" smtClean="0"/>
               <a:t>2024/3/10</a:t>
             </a:fld>
@@ -2674,7 +2674,7 @@
           <p:cNvPr id="6" name="页脚占位符 5">
             <a:extLst>
               <a:ext uri="{FF2B5EF4-FFF2-40B4-BE49-F238E27FC236}">
-                <a16:creationId xmlns:a16="http://schemas.microsoft.com/office/drawing/2014/main" id="{682E9451-4C96-C1DE-B291-E00E981880AF}"/>
+                <a16:creationId xmlns:a16="http://schemas.microsoft.com/office/drawing/2014/main" id="{BDEEFFA1-BAA0-E15E-ADBD-13D6DAE7E3AF}"/>
               </a:ext>
             </a:extLst>
           </p:cNvPr>
@@ -2699,7 +2699,7 @@
           <p:cNvPr id="7" name="灯片编号占位符 6">
             <a:extLst>
               <a:ext uri="{FF2B5EF4-FFF2-40B4-BE49-F238E27FC236}">
-                <a16:creationId xmlns:a16="http://schemas.microsoft.com/office/drawing/2014/main" id="{D6F1ED4D-7A4D-B39B-190B-5A75B54C1E04}"/>
+                <a16:creationId xmlns:a16="http://schemas.microsoft.com/office/drawing/2014/main" id="{0D798FE9-44CF-A61F-BE9C-9CE68CC1B69E}"/>
               </a:ext>
             </a:extLst>
           </p:cNvPr>
@@ -2715,7 +2715,7 @@
           <a:bodyPr/>
           <a:lstStyle/>
           <a:p>
-            <a:fld id="{48D71194-13A9-428D-86B4-BDA601D602BE}" type="slidenum">
+            <a:fld id="{84E783CF-289F-46C7-959C-B66564477535}" type="slidenum">
               <a:rPr lang="zh-CN" altLang="en-US" smtClean="0"/>
               <a:t>‹#›</a:t>
             </a:fld>
@@ -2726,7 +2726,7 @@
     </p:spTree>
     <p:extLst>
       <p:ext uri="{BB962C8B-B14F-4D97-AF65-F5344CB8AC3E}">
-        <p14:creationId xmlns:p14="http://schemas.microsoft.com/office/powerpoint/2010/main" val="3249677404"/>
+        <p14:creationId xmlns:p14="http://schemas.microsoft.com/office/powerpoint/2010/main" val="137851283"/>
       </p:ext>
     </p:extLst>
   </p:cSld>
@@ -2763,7 +2763,7 @@
           <p:cNvPr id="2" name="标题占位符 1">
             <a:extLst>
               <a:ext uri="{FF2B5EF4-FFF2-40B4-BE49-F238E27FC236}">
-                <a16:creationId xmlns:a16="http://schemas.microsoft.com/office/drawing/2014/main" id="{A0427BF3-C802-3E2B-B94D-5909AAB1B7AC}"/>
+                <a16:creationId xmlns:a16="http://schemas.microsoft.com/office/drawing/2014/main" id="{3BEE19F5-0C67-655E-5541-D8BF6F0B2D16}"/>
               </a:ext>
             </a:extLst>
           </p:cNvPr>
@@ -2801,7 +2801,7 @@
           <p:cNvPr id="3" name="文本占位符 2">
             <a:extLst>
               <a:ext uri="{FF2B5EF4-FFF2-40B4-BE49-F238E27FC236}">
-                <a16:creationId xmlns:a16="http://schemas.microsoft.com/office/drawing/2014/main" id="{273EB0ED-D5F9-AD56-9CD5-669DB453518F}"/>
+                <a16:creationId xmlns:a16="http://schemas.microsoft.com/office/drawing/2014/main" id="{0E8EC0C4-7C3E-58FC-B0BA-B78503EB797F}"/>
               </a:ext>
             </a:extLst>
           </p:cNvPr>
@@ -2868,7 +2868,7 @@
           <p:cNvPr id="4" name="日期占位符 3">
             <a:extLst>
               <a:ext uri="{FF2B5EF4-FFF2-40B4-BE49-F238E27FC236}">
-                <a16:creationId xmlns:a16="http://schemas.microsoft.com/office/drawing/2014/main" id="{4C5F729B-78F7-9025-F123-322EC2E67464}"/>
+                <a16:creationId xmlns:a16="http://schemas.microsoft.com/office/drawing/2014/main" id="{97F2C7C6-C04A-36AF-757C-DA4B78ECC736}"/>
               </a:ext>
             </a:extLst>
           </p:cNvPr>
@@ -2902,7 +2902,7 @@
             </a:lvl1pPr>
           </a:lstStyle>
           <a:p>
-            <a:fld id="{9C2CEC95-474C-4F43-84C3-17EB53F334DD}" type="datetimeFigureOut">
+            <a:fld id="{56849F0A-2C35-4623-AB13-125EEE86318C}" type="datetimeFigureOut">
               <a:rPr lang="zh-CN" altLang="en-US" smtClean="0"/>
               <a:t>2024/3/10</a:t>
             </a:fld>
@@ -2915,7 +2915,7 @@
           <p:cNvPr id="5" name="页脚占位符 4">
             <a:extLst>
               <a:ext uri="{FF2B5EF4-FFF2-40B4-BE49-F238E27FC236}">
-                <a16:creationId xmlns:a16="http://schemas.microsoft.com/office/drawing/2014/main" id="{62421692-9DE2-2EE3-7A8E-69AC1B1DBBE1}"/>
+                <a16:creationId xmlns:a16="http://schemas.microsoft.com/office/drawing/2014/main" id="{F4612119-75B4-06A8-7176-4F9C706D89BC}"/>
               </a:ext>
             </a:extLst>
           </p:cNvPr>
@@ -2958,7 +2958,7 @@
           <p:cNvPr id="6" name="灯片编号占位符 5">
             <a:extLst>
               <a:ext uri="{FF2B5EF4-FFF2-40B4-BE49-F238E27FC236}">
-                <a16:creationId xmlns:a16="http://schemas.microsoft.com/office/drawing/2014/main" id="{B85031E8-035E-F337-2F8B-92BC179F412E}"/>
+                <a16:creationId xmlns:a16="http://schemas.microsoft.com/office/drawing/2014/main" id="{57DC5DCC-3CD4-771A-FF6D-E21A6722E33B}"/>
               </a:ext>
             </a:extLst>
           </p:cNvPr>
@@ -2992,7 +2992,7 @@
             </a:lvl1pPr>
           </a:lstStyle>
           <a:p>
-            <a:fld id="{48D71194-13A9-428D-86B4-BDA601D602BE}" type="slidenum">
+            <a:fld id="{84E783CF-289F-46C7-959C-B66564477535}" type="slidenum">
               <a:rPr lang="zh-CN" altLang="en-US" smtClean="0"/>
               <a:t>‹#›</a:t>
             </a:fld>
@@ -3003,7 +3003,7 @@
     </p:spTree>
     <p:extLst>
       <p:ext uri="{BB962C8B-B14F-4D97-AF65-F5344CB8AC3E}">
-        <p14:creationId xmlns:p14="http://schemas.microsoft.com/office/powerpoint/2010/main" val="1655789120"/>
+        <p14:creationId xmlns:p14="http://schemas.microsoft.com/office/powerpoint/2010/main" val="1248879228"/>
       </p:ext>
     </p:extLst>
   </p:cSld>
@@ -3323,7 +3323,7 @@
       </p:grpSpPr>
       <p:pic>
         <p:nvPicPr>
-          <p:cNvPr id="1068034" name="Picture 2" descr="1042"/>
+          <p:cNvPr id="1070082" name="Picture 2" descr="1044"/>
           <p:cNvPicPr>
             <a:picLocks noChangeAspect="1" noChangeArrowheads="1"/>
           </p:cNvPicPr>
@@ -3344,8 +3344,8 @@
         </p:blipFill>
         <p:spPr bwMode="auto">
           <a:xfrm>
-            <a:off x="1524000" y="0"/>
-            <a:ext cx="9144000" cy="6858000"/>
+            <a:off x="1543050" y="1"/>
+            <a:ext cx="9124950" cy="6843713"/>
           </a:xfrm>
           <a:prstGeom prst="rect">
             <a:avLst/>
@@ -3375,11 +3375,275 @@
           </a:extLst>
         </p:spPr>
       </p:pic>
+      <p:pic>
+        <p:nvPicPr>
+          <p:cNvPr id="1071107" name="Picture 3" descr="1044-2"/>
+          <p:cNvPicPr>
+            <a:picLocks noChangeAspect="1" noChangeArrowheads="1"/>
+          </p:cNvPicPr>
+          <p:nvPr/>
+        </p:nvPicPr>
+        <p:blipFill>
+          <a:blip r:embed="rId3">
+            <a:extLst>
+              <a:ext uri="{28A0092B-C50C-407E-A947-70E740481C1C}">
+                <a14:useLocalDpi xmlns:a14="http://schemas.microsoft.com/office/drawing/2010/main" val="0"/>
+              </a:ext>
+            </a:extLst>
+          </a:blip>
+          <a:srcRect/>
+          <a:stretch>
+            <a:fillRect/>
+          </a:stretch>
+        </p:blipFill>
+        <p:spPr bwMode="auto">
+          <a:xfrm>
+            <a:off x="1524000" y="0"/>
+            <a:ext cx="9124950" cy="6845300"/>
+          </a:xfrm>
+          <a:prstGeom prst="rect">
+            <a:avLst/>
+          </a:prstGeom>
+          <a:noFill/>
+          <a:ln>
+            <a:noFill/>
+          </a:ln>
+          <a:effectLst/>
+          <a:extLst>
+            <a:ext uri="{909E8E84-426E-40DD-AFC4-6F175D3DCCD1}">
+              <a14:hiddenFill xmlns:a14="http://schemas.microsoft.com/office/drawing/2010/main">
+                <a:solidFill>
+                  <a:srgbClr val="FFFFFF"/>
+                </a:solidFill>
+              </a14:hiddenFill>
+            </a:ext>
+            <a:ext uri="{91240B29-F687-4F45-9708-019B960494DF}">
+              <a14:hiddenLine xmlns:a14="http://schemas.microsoft.com/office/drawing/2010/main" w="9525">
+                <a:solidFill>
+                  <a:srgbClr val="000000"/>
+                </a:solidFill>
+                <a:miter lim="800000"/>
+                <a:headEnd/>
+                <a:tailEnd/>
+              </a14:hiddenLine>
+            </a:ext>
+            <a:ext uri="{AF507438-7753-43E0-B8FC-AC1667EBCBE1}">
+              <a14:hiddenEffects xmlns:a14="http://schemas.microsoft.com/office/drawing/2010/main">
+                <a:effectLst>
+                  <a:outerShdw dist="35921" dir="2700000" algn="ctr" rotWithShape="0">
+                    <a:srgbClr val="808080"/>
+                  </a:outerShdw>
+                </a:effectLst>
+              </a14:hiddenEffects>
+            </a:ext>
+          </a:extLst>
+        </p:spPr>
+      </p:pic>
+      <p:pic>
+        <p:nvPicPr>
+          <p:cNvPr id="1071108" name="Picture 4" descr="1044-3"/>
+          <p:cNvPicPr>
+            <a:picLocks noChangeAspect="1" noChangeArrowheads="1"/>
+          </p:cNvPicPr>
+          <p:nvPr/>
+        </p:nvPicPr>
+        <p:blipFill>
+          <a:blip r:embed="rId4">
+            <a:extLst>
+              <a:ext uri="{28A0092B-C50C-407E-A947-70E740481C1C}">
+                <a14:useLocalDpi xmlns:a14="http://schemas.microsoft.com/office/drawing/2010/main" val="0"/>
+              </a:ext>
+            </a:extLst>
+          </a:blip>
+          <a:srcRect/>
+          <a:stretch>
+            <a:fillRect/>
+          </a:stretch>
+        </p:blipFill>
+        <p:spPr bwMode="auto">
+          <a:xfrm>
+            <a:off x="1543050" y="14288"/>
+            <a:ext cx="9124950" cy="6843712"/>
+          </a:xfrm>
+          <a:prstGeom prst="rect">
+            <a:avLst/>
+          </a:prstGeom>
+          <a:noFill/>
+          <a:ln>
+            <a:noFill/>
+          </a:ln>
+          <a:effectLst/>
+          <a:extLst>
+            <a:ext uri="{909E8E84-426E-40DD-AFC4-6F175D3DCCD1}">
+              <a14:hiddenFill xmlns:a14="http://schemas.microsoft.com/office/drawing/2010/main">
+                <a:solidFill>
+                  <a:srgbClr val="FFFFFF"/>
+                </a:solidFill>
+              </a14:hiddenFill>
+            </a:ext>
+            <a:ext uri="{91240B29-F687-4F45-9708-019B960494DF}">
+              <a14:hiddenLine xmlns:a14="http://schemas.microsoft.com/office/drawing/2010/main" w="9525">
+                <a:solidFill>
+                  <a:srgbClr val="000000"/>
+                </a:solidFill>
+                <a:miter lim="800000"/>
+                <a:headEnd/>
+                <a:tailEnd/>
+              </a14:hiddenLine>
+            </a:ext>
+            <a:ext uri="{AF507438-7753-43E0-B8FC-AC1667EBCBE1}">
+              <a14:hiddenEffects xmlns:a14="http://schemas.microsoft.com/office/drawing/2010/main">
+                <a:effectLst>
+                  <a:outerShdw dist="35921" dir="2700000" algn="ctr" rotWithShape="0">
+                    <a:srgbClr val="808080"/>
+                  </a:outerShdw>
+                </a:effectLst>
+              </a14:hiddenEffects>
+            </a:ext>
+          </a:extLst>
+        </p:spPr>
+      </p:pic>
     </p:spTree>
   </p:cSld>
   <p:clrMapOvr>
     <a:masterClrMapping/>
   </p:clrMapOvr>
+  <p:timing>
+    <p:tnLst>
+      <p:par>
+        <p:cTn id="1" dur="indefinite" restart="never" nodeType="tmRoot">
+          <p:childTnLst>
+            <p:seq concurrent="1" nextAc="seek">
+              <p:cTn id="2" dur="indefinite" nodeType="mainSeq">
+                <p:childTnLst>
+                  <p:par>
+                    <p:cTn id="3" fill="hold" nodeType="clickPar">
+                      <p:stCondLst>
+                        <p:cond delay="indefinite"/>
+                      </p:stCondLst>
+                      <p:childTnLst>
+                        <p:par>
+                          <p:cTn id="4" fill="hold" nodeType="withGroup">
+                            <p:stCondLst>
+                              <p:cond delay="0"/>
+                            </p:stCondLst>
+                            <p:childTnLst>
+                              <p:par>
+                                <p:cTn id="5" presetID="10" presetClass="entr" presetSubtype="0" fill="hold" nodeType="clickEffect">
+                                  <p:stCondLst>
+                                    <p:cond delay="0"/>
+                                  </p:stCondLst>
+                                  <p:childTnLst>
+                                    <p:set>
+                                      <p:cBhvr>
+                                        <p:cTn id="6" dur="1" fill="hold">
+                                          <p:stCondLst>
+                                            <p:cond delay="0"/>
+                                          </p:stCondLst>
+                                        </p:cTn>
+                                        <p:tgtEl>
+                                          <p:spTgt spid="1071107"/>
+                                        </p:tgtEl>
+                                        <p:attrNameLst>
+                                          <p:attrName>style.visibility</p:attrName>
+                                        </p:attrNameLst>
+                                      </p:cBhvr>
+                                      <p:to>
+                                        <p:strVal val="visible"/>
+                                      </p:to>
+                                    </p:set>
+                                    <p:animEffect transition="in" filter="fade">
+                                      <p:cBhvr>
+                                        <p:cTn id="7" dur="500"/>
+                                        <p:tgtEl>
+                                          <p:spTgt spid="1071107"/>
+                                        </p:tgtEl>
+                                      </p:cBhvr>
+                                    </p:animEffect>
+                                  </p:childTnLst>
+                                </p:cTn>
+                              </p:par>
+                            </p:childTnLst>
+                          </p:cTn>
+                        </p:par>
+                      </p:childTnLst>
+                    </p:cTn>
+                  </p:par>
+                  <p:par>
+                    <p:cTn id="8" fill="hold" nodeType="clickPar">
+                      <p:stCondLst>
+                        <p:cond delay="indefinite"/>
+                      </p:stCondLst>
+                      <p:childTnLst>
+                        <p:par>
+                          <p:cTn id="9" fill="hold" nodeType="withGroup">
+                            <p:stCondLst>
+                              <p:cond delay="0"/>
+                            </p:stCondLst>
+                            <p:childTnLst>
+                              <p:par>
+                                <p:cTn id="10" presetID="10" presetClass="entr" presetSubtype="0" fill="hold" nodeType="clickEffect">
+                                  <p:stCondLst>
+                                    <p:cond delay="0"/>
+                                  </p:stCondLst>
+                                  <p:childTnLst>
+                                    <p:set>
+                                      <p:cBhvr>
+                                        <p:cTn id="11" dur="1" fill="hold">
+                                          <p:stCondLst>
+                                            <p:cond delay="0"/>
+                                          </p:stCondLst>
+                                        </p:cTn>
+                                        <p:tgtEl>
+                                          <p:spTgt spid="1071108"/>
+                                        </p:tgtEl>
+                                        <p:attrNameLst>
+                                          <p:attrName>style.visibility</p:attrName>
+                                        </p:attrNameLst>
+                                      </p:cBhvr>
+                                      <p:to>
+                                        <p:strVal val="visible"/>
+                                      </p:to>
+                                    </p:set>
+                                    <p:animEffect transition="in" filter="fade">
+                                      <p:cBhvr>
+                                        <p:cTn id="12" dur="500"/>
+                                        <p:tgtEl>
+                                          <p:spTgt spid="1071108"/>
+                                        </p:tgtEl>
+                                      </p:cBhvr>
+                                    </p:animEffect>
+                                  </p:childTnLst>
+                                </p:cTn>
+                              </p:par>
+                            </p:childTnLst>
+                          </p:cTn>
+                        </p:par>
+                      </p:childTnLst>
+                    </p:cTn>
+                  </p:par>
+                </p:childTnLst>
+              </p:cTn>
+              <p:prevCondLst>
+                <p:cond evt="onPrev" delay="0">
+                  <p:tgtEl>
+                    <p:sldTgt/>
+                  </p:tgtEl>
+                </p:cond>
+              </p:prevCondLst>
+              <p:nextCondLst>
+                <p:cond evt="onNext" delay="0">
+                  <p:tgtEl>
+                    <p:sldTgt/>
+                  </p:tgtEl>
+                </p:cond>
+              </p:nextCondLst>
+            </p:seq>
+          </p:childTnLst>
+        </p:cTn>
+      </p:par>
+    </p:tnLst>
+  </p:timing>
 </p:sld>
 </file>
 
